--- a/slides.pptx
+++ b/slides.pptx
@@ -24,15 +24,16 @@
     <p:sldId id="269" r:id="rId19"/>
     <p:sldId id="270" r:id="rId20"/>
     <p:sldId id="271" r:id="rId21"/>
+    <p:sldId id="272" r:id="rId22"/>
   </p:sldIdLst>
   <p:sldSz cy="5143500" cx="9144000"/>
   <p:notesSz cx="6858000" cy="9144000"/>
   <p:embeddedFontLst>
     <p:embeddedFont>
       <p:font typeface="Old Standard TT"/>
-      <p:regular r:id="rId22"/>
-      <p:bold r:id="rId23"/>
-      <p:italic r:id="rId24"/>
+      <p:regular r:id="rId23"/>
+      <p:bold r:id="rId24"/>
+      <p:italic r:id="rId25"/>
     </p:embeddedFont>
   </p:embeddedFontLst>
   <p:defaultTextStyle>
@@ -1025,7 +1026,7 @@
       </p:grpSpPr>
       <p:sp>
         <p:nvSpPr>
-          <p:cNvPr id="135" name="Google Shape;135;g2c24e05ce2c_4_772:notes"/>
+          <p:cNvPr id="135" name="Google Shape;135;g2c254ec564f_1_12:notes"/>
           <p:cNvSpPr/>
           <p:nvPr>
             <p:ph idx="2" type="sldImg"/>
@@ -1060,7 +1061,7 @@
       </p:sp>
       <p:sp>
         <p:nvSpPr>
-          <p:cNvPr id="136" name="Google Shape;136;g2c24e05ce2c_4_772:notes"/>
+          <p:cNvPr id="136" name="Google Shape;136;g2c254ec564f_1_12:notes"/>
           <p:cNvSpPr txBox="1"/>
           <p:nvPr>
             <p:ph idx="1" type="body"/>
@@ -1091,24 +1092,7 @@
               <a:buNone/>
             </a:pPr>
             <a:r>
-              <a:rPr lang="en"/>
-              <a:t>FN = someone with heart disease that we didn’t catch -&gt; THIS IS BAD!!</a:t>
-            </a:r>
-            <a:endParaRPr/>
-          </a:p>
-          <a:p>
-            <a:pPr indent="0" lvl="0" marL="0" rtl="0" algn="l">
-              <a:spcBef>
-                <a:spcPts val="0"/>
-              </a:spcBef>
-              <a:spcAft>
-                <a:spcPts val="0"/>
-              </a:spcAft>
-              <a:buNone/>
-            </a:pPr>
-            <a:r>
-              <a:rPr lang="en"/>
-              <a:t>Accuracy is only good because we have a ton of TN</a:t>
+              <a:t/>
             </a:r>
             <a:endParaRPr/>
           </a:p>
@@ -1127,7 +1111,7 @@
   <p:cSld>
     <p:spTree>
       <p:nvGrpSpPr>
-        <p:cNvPr id="147" name="Shape 147"/>
+        <p:cNvPr id="140" name="Shape 140"/>
         <p:cNvGrpSpPr/>
         <p:nvPr/>
       </p:nvGrpSpPr>
@@ -1141,7 +1125,7 @@
       </p:grpSpPr>
       <p:sp>
         <p:nvSpPr>
-          <p:cNvPr id="148" name="Google Shape;148;g28f050b288f_0_110:notes"/>
+          <p:cNvPr id="141" name="Google Shape;141;g2c24e05ce2c_4_772:notes"/>
           <p:cNvSpPr/>
           <p:nvPr>
             <p:ph idx="2" type="sldImg"/>
@@ -1176,7 +1160,7 @@
       </p:sp>
       <p:sp>
         <p:nvSpPr>
-          <p:cNvPr id="149" name="Google Shape;149;g28f050b288f_0_110:notes"/>
+          <p:cNvPr id="142" name="Google Shape;142;g2c24e05ce2c_4_772:notes"/>
           <p:cNvSpPr txBox="1"/>
           <p:nvPr>
             <p:ph idx="1" type="body"/>
@@ -1207,7 +1191,24 @@
               <a:buNone/>
             </a:pPr>
             <a:r>
-              <a:t/>
+              <a:rPr lang="en"/>
+              <a:t>FN = someone with heart disease that we didn’t catch -&gt; THIS IS BAD!!</a:t>
+            </a:r>
+            <a:endParaRPr/>
+          </a:p>
+          <a:p>
+            <a:pPr indent="0" lvl="0" marL="0" rtl="0" algn="l">
+              <a:spcBef>
+                <a:spcPts val="0"/>
+              </a:spcBef>
+              <a:spcAft>
+                <a:spcPts val="0"/>
+              </a:spcAft>
+              <a:buNone/>
+            </a:pPr>
+            <a:r>
+              <a:rPr lang="en"/>
+              <a:t>Accuracy is only good because we have a ton of TN</a:t>
             </a:r>
             <a:endParaRPr/>
           </a:p>
@@ -1226,7 +1227,7 @@
   <p:cSld>
     <p:spTree>
       <p:nvGrpSpPr>
-        <p:cNvPr id="154" name="Shape 154"/>
+        <p:cNvPr id="153" name="Shape 153"/>
         <p:cNvGrpSpPr/>
         <p:nvPr/>
       </p:nvGrpSpPr>
@@ -1240,7 +1241,7 @@
       </p:grpSpPr>
       <p:sp>
         <p:nvSpPr>
-          <p:cNvPr id="155" name="Google Shape;155;g2c254ec564f_1_4:notes"/>
+          <p:cNvPr id="154" name="Google Shape;154;g28f050b288f_0_110:notes"/>
           <p:cNvSpPr/>
           <p:nvPr>
             <p:ph idx="2" type="sldImg"/>
@@ -1275,7 +1276,7 @@
       </p:sp>
       <p:sp>
         <p:nvSpPr>
-          <p:cNvPr id="156" name="Google Shape;156;g2c254ec564f_1_4:notes"/>
+          <p:cNvPr id="155" name="Google Shape;155;g28f050b288f_0_110:notes"/>
           <p:cNvSpPr txBox="1"/>
           <p:nvPr>
             <p:ph idx="1" type="body"/>
@@ -1339,7 +1340,7 @@
       </p:grpSpPr>
       <p:sp>
         <p:nvSpPr>
-          <p:cNvPr id="161" name="Google Shape;161;g2c24e05ce2c_4_762:notes"/>
+          <p:cNvPr id="161" name="Google Shape;161;g2c254ec564f_1_4:notes"/>
           <p:cNvSpPr/>
           <p:nvPr>
             <p:ph idx="2" type="sldImg"/>
@@ -1374,7 +1375,7 @@
       </p:sp>
       <p:sp>
         <p:nvSpPr>
-          <p:cNvPr id="162" name="Google Shape;162;g2c24e05ce2c_4_762:notes"/>
+          <p:cNvPr id="162" name="Google Shape;162;g2c254ec564f_1_4:notes"/>
           <p:cNvSpPr txBox="1"/>
           <p:nvPr>
             <p:ph idx="1" type="body"/>
@@ -1438,7 +1439,7 @@
       </p:grpSpPr>
       <p:sp>
         <p:nvSpPr>
-          <p:cNvPr id="167" name="Google Shape;167;g2c24e05ce2c_4_767:notes"/>
+          <p:cNvPr id="167" name="Google Shape;167;g2c24e05ce2c_4_762:notes"/>
           <p:cNvSpPr/>
           <p:nvPr>
             <p:ph idx="2" type="sldImg"/>
@@ -1473,7 +1474,106 @@
       </p:sp>
       <p:sp>
         <p:nvSpPr>
-          <p:cNvPr id="168" name="Google Shape;168;g2c24e05ce2c_4_767:notes"/>
+          <p:cNvPr id="168" name="Google Shape;168;g2c24e05ce2c_4_762:notes"/>
+          <p:cNvSpPr txBox="1"/>
+          <p:nvPr>
+            <p:ph idx="1" type="body"/>
+          </p:nvPr>
+        </p:nvSpPr>
+        <p:spPr>
+          <a:xfrm>
+            <a:off x="685800" y="4343400"/>
+            <a:ext cx="5486400" cy="4114800"/>
+          </a:xfrm>
+          <a:prstGeom prst="rect">
+            <a:avLst/>
+          </a:prstGeom>
+        </p:spPr>
+        <p:txBody>
+          <a:bodyPr anchorCtr="0" anchor="t" bIns="91425" lIns="91425" spcFirstLastPara="1" rIns="91425" wrap="square" tIns="91425">
+            <a:noAutofit/>
+          </a:bodyPr>
+          <a:lstStyle/>
+          <a:p>
+            <a:pPr indent="0" lvl="0" marL="0" rtl="0" algn="l">
+              <a:spcBef>
+                <a:spcPts val="0"/>
+              </a:spcBef>
+              <a:spcAft>
+                <a:spcPts val="0"/>
+              </a:spcAft>
+              <a:buNone/>
+            </a:pPr>
+            <a:r>
+              <a:t/>
+            </a:r>
+            <a:endParaRPr/>
+          </a:p>
+        </p:txBody>
+      </p:sp>
+    </p:spTree>
+  </p:cSld>
+  <p:clrMapOvr>
+    <a:masterClrMapping/>
+  </p:clrMapOvr>
+</p:notes>
+</file>
+
+<file path=ppt/notesSlides/notesSlide17.xml><?xml version="1.0" encoding="utf-8"?>
+<p:notes xmlns:a="http://schemas.openxmlformats.org/drawingml/2006/main" xmlns:r="http://schemas.openxmlformats.org/officeDocument/2006/relationships" xmlns:mc="http://schemas.openxmlformats.org/markup-compatibility/2006" xmlns:mv="urn:schemas-microsoft-com:mac:vml" xmlns:p="http://schemas.openxmlformats.org/presentationml/2006/main" xmlns:c="http://schemas.openxmlformats.org/drawingml/2006/chart" xmlns:dgm="http://schemas.openxmlformats.org/drawingml/2006/diagram" xmlns:o="urn:schemas-microsoft-com:office:office" xmlns:v="urn:schemas-microsoft-com:vml" xmlns:pvml="urn:schemas-microsoft-com:office:powerpoint" xmlns:com="http://schemas.openxmlformats.org/drawingml/2006/compatibility" xmlns:p14="http://schemas.microsoft.com/office/powerpoint/2010/main" xmlns:p15="http://schemas.microsoft.com/office/powerpoint/2012/main" xmlns:ahyp="http://schemas.microsoft.com/office/drawing/2018/hyperlinkcolor" showMasterPhAnim="0" showMasterSp="0">
+  <p:cSld>
+    <p:spTree>
+      <p:nvGrpSpPr>
+        <p:cNvPr id="172" name="Shape 172"/>
+        <p:cNvGrpSpPr/>
+        <p:nvPr/>
+      </p:nvGrpSpPr>
+      <p:grpSpPr>
+        <a:xfrm>
+          <a:off x="0" y="0"/>
+          <a:ext cx="0" cy="0"/>
+          <a:chOff x="0" y="0"/>
+          <a:chExt cx="0" cy="0"/>
+        </a:xfrm>
+      </p:grpSpPr>
+      <p:sp>
+        <p:nvSpPr>
+          <p:cNvPr id="173" name="Google Shape;173;g2c24e05ce2c_4_767:notes"/>
+          <p:cNvSpPr/>
+          <p:nvPr>
+            <p:ph idx="2" type="sldImg"/>
+          </p:nvPr>
+        </p:nvSpPr>
+        <p:spPr>
+          <a:xfrm>
+            <a:off x="381300" y="685800"/>
+            <a:ext cx="6096000" cy="3429000"/>
+          </a:xfrm>
+          <a:custGeom>
+            <a:rect b="b" l="l" r="r" t="t"/>
+            <a:pathLst>
+              <a:path extrusionOk="0" h="120000" w="120000">
+                <a:moveTo>
+                  <a:pt x="0" y="0"/>
+                </a:moveTo>
+                <a:lnTo>
+                  <a:pt x="120000" y="0"/>
+                </a:lnTo>
+                <a:lnTo>
+                  <a:pt x="120000" y="120000"/>
+                </a:lnTo>
+                <a:lnTo>
+                  <a:pt x="0" y="120000"/>
+                </a:lnTo>
+                <a:close/>
+              </a:path>
+            </a:pathLst>
+          </a:custGeom>
+        </p:spPr>
+      </p:sp>
+      <p:sp>
+        <p:nvSpPr>
+          <p:cNvPr id="174" name="Google Shape;174;g2c24e05ce2c_4_767:notes"/>
           <p:cNvSpPr txBox="1"/>
           <p:nvPr>
             <p:ph idx="1" type="body"/>
@@ -8134,6 +8234,99 @@
             </a:pPr>
             <a:r>
               <a:rPr lang="en"/>
+              <a:t>K Nearest Neighbors</a:t>
+            </a:r>
+            <a:endParaRPr/>
+          </a:p>
+        </p:txBody>
+      </p:sp>
+      <p:pic>
+        <p:nvPicPr>
+          <p:cNvPr id="139" name="Google Shape;139;p24"/>
+          <p:cNvPicPr preferRelativeResize="0"/>
+          <p:nvPr/>
+        </p:nvPicPr>
+        <p:blipFill>
+          <a:blip r:embed="rId3">
+            <a:alphaModFix/>
+          </a:blip>
+          <a:stretch>
+            <a:fillRect/>
+          </a:stretch>
+        </p:blipFill>
+        <p:spPr>
+          <a:xfrm>
+            <a:off x="152400" y="1210625"/>
+            <a:ext cx="8839200" cy="3237614"/>
+          </a:xfrm>
+          <a:prstGeom prst="rect">
+            <a:avLst/>
+          </a:prstGeom>
+          <a:noFill/>
+          <a:ln>
+            <a:noFill/>
+          </a:ln>
+        </p:spPr>
+      </p:pic>
+    </p:spTree>
+  </p:cSld>
+  <p:clrMapOvr>
+    <a:masterClrMapping/>
+  </p:clrMapOvr>
+</p:sld>
+</file>
+
+<file path=ppt/slides/slide13.xml><?xml version="1.0" encoding="utf-8"?>
+<p:sld xmlns:a="http://schemas.openxmlformats.org/drawingml/2006/main" xmlns:r="http://schemas.openxmlformats.org/officeDocument/2006/relationships" xmlns:mc="http://schemas.openxmlformats.org/markup-compatibility/2006" xmlns:mv="urn:schemas-microsoft-com:mac:vml" xmlns:p="http://schemas.openxmlformats.org/presentationml/2006/main" xmlns:c="http://schemas.openxmlformats.org/drawingml/2006/chart" xmlns:dgm="http://schemas.openxmlformats.org/drawingml/2006/diagram" xmlns:o="urn:schemas-microsoft-com:office:office" xmlns:v="urn:schemas-microsoft-com:vml" xmlns:pvml="urn:schemas-microsoft-com:office:powerpoint" xmlns:com="http://schemas.openxmlformats.org/drawingml/2006/compatibility" xmlns:p14="http://schemas.microsoft.com/office/powerpoint/2010/main" xmlns:p15="http://schemas.microsoft.com/office/powerpoint/2012/main" xmlns:ahyp="http://schemas.microsoft.com/office/drawing/2018/hyperlinkcolor">
+  <p:cSld>
+    <p:spTree>
+      <p:nvGrpSpPr>
+        <p:cNvPr id="143" name="Shape 143"/>
+        <p:cNvGrpSpPr/>
+        <p:nvPr/>
+      </p:nvGrpSpPr>
+      <p:grpSpPr>
+        <a:xfrm>
+          <a:off x="0" y="0"/>
+          <a:ext cx="0" cy="0"/>
+          <a:chOff x="0" y="0"/>
+          <a:chExt cx="0" cy="0"/>
+        </a:xfrm>
+      </p:grpSpPr>
+      <p:sp>
+        <p:nvSpPr>
+          <p:cNvPr id="144" name="Google Shape;144;p25"/>
+          <p:cNvSpPr txBox="1"/>
+          <p:nvPr>
+            <p:ph type="title"/>
+          </p:nvPr>
+        </p:nvSpPr>
+        <p:spPr>
+          <a:xfrm>
+            <a:off x="311700" y="445025"/>
+            <a:ext cx="8520600" cy="613200"/>
+          </a:xfrm>
+          <a:prstGeom prst="rect">
+            <a:avLst/>
+          </a:prstGeom>
+        </p:spPr>
+        <p:txBody>
+          <a:bodyPr anchorCtr="0" anchor="t" bIns="91425" lIns="91425" spcFirstLastPara="1" rIns="91425" wrap="square" tIns="91425">
+            <a:normAutofit fontScale="90000"/>
+          </a:bodyPr>
+          <a:lstStyle/>
+          <a:p>
+            <a:pPr indent="0" lvl="0" marL="0" rtl="0" algn="l">
+              <a:spcBef>
+                <a:spcPts val="0"/>
+              </a:spcBef>
+              <a:spcAft>
+                <a:spcPts val="0"/>
+              </a:spcAft>
+              <a:buNone/>
+            </a:pPr>
+            <a:r>
+              <a:rPr lang="en"/>
               <a:t>Results</a:t>
             </a:r>
             <a:endParaRPr/>
@@ -8142,7 +8335,7 @@
       </p:sp>
       <p:sp>
         <p:nvSpPr>
-          <p:cNvPr id="139" name="Google Shape;139;p24"/>
+          <p:cNvPr id="145" name="Google Shape;145;p25"/>
           <p:cNvSpPr txBox="1"/>
           <p:nvPr>
             <p:ph idx="1" type="body"/>
@@ -8285,7 +8478,7 @@
       </p:sp>
       <p:pic>
         <p:nvPicPr>
-          <p:cNvPr id="140" name="Google Shape;140;p24"/>
+          <p:cNvPr id="146" name="Google Shape;146;p25"/>
           <p:cNvPicPr preferRelativeResize="0"/>
           <p:nvPr/>
         </p:nvPicPr>
@@ -8293,13 +8486,13 @@
           <a:blip r:embed="rId3">
             <a:alphaModFix/>
           </a:blip>
-          <a:srcRect b="9517" l="0" r="51364" t="4660"/>
+          <a:srcRect b="60084" l="0" r="0" t="0"/>
           <a:stretch/>
         </p:blipFill>
         <p:spPr>
           <a:xfrm>
-            <a:off x="5922550" y="299550"/>
-            <a:ext cx="3048025" cy="2318600"/>
+            <a:off x="704100" y="3288350"/>
+            <a:ext cx="7794800" cy="277300"/>
           </a:xfrm>
           <a:prstGeom prst="rect">
             <a:avLst/>
@@ -8310,36 +8503,9 @@
           </a:ln>
         </p:spPr>
       </p:pic>
-      <p:pic>
-        <p:nvPicPr>
-          <p:cNvPr id="141" name="Google Shape;141;p24"/>
-          <p:cNvPicPr preferRelativeResize="0"/>
-          <p:nvPr/>
-        </p:nvPicPr>
-        <p:blipFill rotWithShape="1">
-          <a:blip r:embed="rId4">
-            <a:alphaModFix/>
-          </a:blip>
-          <a:srcRect b="60084" l="0" r="0" t="0"/>
-          <a:stretch/>
-        </p:blipFill>
-        <p:spPr>
-          <a:xfrm>
-            <a:off x="704100" y="3288350"/>
-            <a:ext cx="7794800" cy="277300"/>
-          </a:xfrm>
-          <a:prstGeom prst="rect">
-            <a:avLst/>
-          </a:prstGeom>
-          <a:noFill/>
-          <a:ln>
-            <a:noFill/>
-          </a:ln>
-        </p:spPr>
-      </p:pic>
       <p:sp>
         <p:nvSpPr>
-          <p:cNvPr id="142" name="Google Shape;142;p24"/>
+          <p:cNvPr id="147" name="Google Shape;147;p25"/>
           <p:cNvSpPr txBox="1"/>
           <p:nvPr/>
         </p:nvSpPr>
@@ -8397,7 +8563,7 @@
       </p:sp>
       <p:sp>
         <p:nvSpPr>
-          <p:cNvPr id="143" name="Google Shape;143;p24"/>
+          <p:cNvPr id="148" name="Google Shape;148;p25"/>
           <p:cNvSpPr/>
           <p:nvPr/>
         </p:nvSpPr>
@@ -8449,7 +8615,7 @@
       </p:sp>
       <p:sp>
         <p:nvSpPr>
-          <p:cNvPr id="144" name="Google Shape;144;p24"/>
+          <p:cNvPr id="149" name="Google Shape;149;p25"/>
           <p:cNvSpPr/>
           <p:nvPr/>
         </p:nvSpPr>
@@ -8501,7 +8667,7 @@
       </p:sp>
       <p:sp>
         <p:nvSpPr>
-          <p:cNvPr id="145" name="Google Shape;145;p24"/>
+          <p:cNvPr id="150" name="Google Shape;150;p25"/>
           <p:cNvSpPr/>
           <p:nvPr/>
         </p:nvSpPr>
@@ -8553,7 +8719,7 @@
       </p:sp>
       <p:sp>
         <p:nvSpPr>
-          <p:cNvPr id="146" name="Google Shape;146;p24"/>
+          <p:cNvPr id="151" name="Google Shape;151;p25"/>
           <p:cNvSpPr/>
           <p:nvPr/>
         </p:nvSpPr>
@@ -8603,121 +8769,9 @@
           </a:p>
         </p:txBody>
       </p:sp>
-    </p:spTree>
-  </p:cSld>
-  <p:clrMapOvr>
-    <a:masterClrMapping/>
-  </p:clrMapOvr>
-</p:sld>
-</file>
-
-<file path=ppt/slides/slide13.xml><?xml version="1.0" encoding="utf-8"?>
-<p:sld xmlns:a="http://schemas.openxmlformats.org/drawingml/2006/main" xmlns:r="http://schemas.openxmlformats.org/officeDocument/2006/relationships" xmlns:mc="http://schemas.openxmlformats.org/markup-compatibility/2006" xmlns:mv="urn:schemas-microsoft-com:mac:vml" xmlns:p="http://schemas.openxmlformats.org/presentationml/2006/main" xmlns:c="http://schemas.openxmlformats.org/drawingml/2006/chart" xmlns:dgm="http://schemas.openxmlformats.org/drawingml/2006/diagram" xmlns:o="urn:schemas-microsoft-com:office:office" xmlns:v="urn:schemas-microsoft-com:vml" xmlns:pvml="urn:schemas-microsoft-com:office:powerpoint" xmlns:com="http://schemas.openxmlformats.org/drawingml/2006/compatibility" xmlns:p14="http://schemas.microsoft.com/office/powerpoint/2010/main" xmlns:p15="http://schemas.microsoft.com/office/powerpoint/2012/main" xmlns:ahyp="http://schemas.microsoft.com/office/drawing/2018/hyperlinkcolor">
-  <p:cSld>
-    <p:spTree>
-      <p:nvGrpSpPr>
-        <p:cNvPr id="150" name="Shape 150"/>
-        <p:cNvGrpSpPr/>
-        <p:nvPr/>
-      </p:nvGrpSpPr>
-      <p:grpSpPr>
-        <a:xfrm>
-          <a:off x="0" y="0"/>
-          <a:ext cx="0" cy="0"/>
-          <a:chOff x="0" y="0"/>
-          <a:chExt cx="0" cy="0"/>
-        </a:xfrm>
-      </p:grpSpPr>
-      <p:sp>
-        <p:nvSpPr>
-          <p:cNvPr id="151" name="Google Shape;151;p25"/>
-          <p:cNvSpPr txBox="1"/>
-          <p:nvPr>
-            <p:ph type="title"/>
-          </p:nvPr>
-        </p:nvSpPr>
-        <p:spPr>
-          <a:xfrm>
-            <a:off x="311700" y="445025"/>
-            <a:ext cx="8520600" cy="613200"/>
-          </a:xfrm>
-          <a:prstGeom prst="rect">
-            <a:avLst/>
-          </a:prstGeom>
-        </p:spPr>
-        <p:txBody>
-          <a:bodyPr anchorCtr="0" anchor="t" bIns="91425" lIns="91425" spcFirstLastPara="1" rIns="91425" wrap="square" tIns="91425">
-            <a:normAutofit fontScale="90000"/>
-          </a:bodyPr>
-          <a:lstStyle/>
-          <a:p>
-            <a:pPr indent="0" lvl="0" marL="0" rtl="0" algn="l">
-              <a:spcBef>
-                <a:spcPts val="0"/>
-              </a:spcBef>
-              <a:spcAft>
-                <a:spcPts val="0"/>
-              </a:spcAft>
-              <a:buNone/>
-            </a:pPr>
-            <a:r>
-              <a:rPr lang="en"/>
-              <a:t>Logistic</a:t>
-            </a:r>
-            <a:r>
-              <a:rPr lang="en"/>
-              <a:t> Regression</a:t>
-            </a:r>
-            <a:endParaRPr/>
-          </a:p>
-          <a:p>
-            <a:pPr indent="0" lvl="0" marL="0" rtl="0" algn="l">
-              <a:spcBef>
-                <a:spcPts val="0"/>
-              </a:spcBef>
-              <a:spcAft>
-                <a:spcPts val="0"/>
-              </a:spcAft>
-              <a:buNone/>
-            </a:pPr>
-            <a:r>
-              <a:t/>
-            </a:r>
-            <a:endParaRPr/>
-          </a:p>
-        </p:txBody>
-      </p:sp>
       <p:pic>
         <p:nvPicPr>
           <p:cNvPr id="152" name="Google Shape;152;p25"/>
-          <p:cNvPicPr preferRelativeResize="0"/>
-          <p:nvPr/>
-        </p:nvPicPr>
-        <p:blipFill>
-          <a:blip r:embed="rId3">
-            <a:alphaModFix/>
-          </a:blip>
-          <a:stretch>
-            <a:fillRect/>
-          </a:stretch>
-        </p:blipFill>
-        <p:spPr>
-          <a:xfrm>
-            <a:off x="1395450" y="1310300"/>
-            <a:ext cx="5943600" cy="1219200"/>
-          </a:xfrm>
-          <a:prstGeom prst="rect">
-            <a:avLst/>
-          </a:prstGeom>
-          <a:noFill/>
-          <a:ln>
-            <a:noFill/>
-          </a:ln>
-        </p:spPr>
-      </p:pic>
-      <p:pic>
-        <p:nvPicPr>
-          <p:cNvPr id="153" name="Google Shape;153;p25"/>
           <p:cNvPicPr preferRelativeResize="0"/>
           <p:nvPr/>
         </p:nvPicPr>
@@ -8731,8 +8785,8 @@
         </p:blipFill>
         <p:spPr>
           <a:xfrm>
-            <a:off x="1395450" y="2707450"/>
-            <a:ext cx="5943600" cy="1514475"/>
+            <a:off x="5964050" y="0"/>
+            <a:ext cx="3179950" cy="2485301"/>
           </a:xfrm>
           <a:prstGeom prst="rect">
             <a:avLst/>
@@ -8756,7 +8810,7 @@
   <p:cSld>
     <p:spTree>
       <p:nvGrpSpPr>
-        <p:cNvPr id="157" name="Shape 157"/>
+        <p:cNvPr id="156" name="Shape 156"/>
         <p:cNvGrpSpPr/>
         <p:nvPr/>
       </p:nvGrpSpPr>
@@ -8770,7 +8824,7 @@
       </p:grpSpPr>
       <p:sp>
         <p:nvSpPr>
-          <p:cNvPr id="158" name="Google Shape;158;p26"/>
+          <p:cNvPr id="157" name="Google Shape;157;p26"/>
           <p:cNvSpPr txBox="1"/>
           <p:nvPr>
             <p:ph type="title"/>
@@ -8802,7 +8856,11 @@
             </a:pPr>
             <a:r>
               <a:rPr lang="en"/>
-              <a:t>Logistic Regression</a:t>
+              <a:t>Logistic</a:t>
+            </a:r>
+            <a:r>
+              <a:rPr lang="en"/>
+              <a:t> Regression</a:t>
             </a:r>
             <a:endParaRPr/>
           </a:p>
@@ -8825,7 +8883,7 @@
       </p:sp>
       <p:pic>
         <p:nvPicPr>
-          <p:cNvPr id="159" name="Google Shape;159;p26"/>
+          <p:cNvPr id="158" name="Google Shape;158;p26"/>
           <p:cNvPicPr preferRelativeResize="0"/>
           <p:nvPr/>
         </p:nvPicPr>
@@ -8839,8 +8897,36 @@
         </p:blipFill>
         <p:spPr>
           <a:xfrm>
-            <a:off x="734138" y="2161200"/>
-            <a:ext cx="7675724" cy="771300"/>
+            <a:off x="1395450" y="1310300"/>
+            <a:ext cx="5943600" cy="1219200"/>
+          </a:xfrm>
+          <a:prstGeom prst="rect">
+            <a:avLst/>
+          </a:prstGeom>
+          <a:noFill/>
+          <a:ln>
+            <a:noFill/>
+          </a:ln>
+        </p:spPr>
+      </p:pic>
+      <p:pic>
+        <p:nvPicPr>
+          <p:cNvPr id="159" name="Google Shape;159;p26"/>
+          <p:cNvPicPr preferRelativeResize="0"/>
+          <p:nvPr/>
+        </p:nvPicPr>
+        <p:blipFill>
+          <a:blip r:embed="rId4">
+            <a:alphaModFix/>
+          </a:blip>
+          <a:stretch>
+            <a:fillRect/>
+          </a:stretch>
+        </p:blipFill>
+        <p:spPr>
+          <a:xfrm>
+            <a:off x="1395450" y="2707450"/>
+            <a:ext cx="5943600" cy="1514475"/>
           </a:xfrm>
           <a:prstGeom prst="rect">
             <a:avLst/>
@@ -8910,159 +8996,55 @@
             </a:pPr>
             <a:r>
               <a:rPr lang="en"/>
-              <a:t>What We Learned?</a:t>
+              <a:t>Logistic Regression</a:t>
+            </a:r>
+            <a:endParaRPr/>
+          </a:p>
+          <a:p>
+            <a:pPr indent="0" lvl="0" marL="0" rtl="0" algn="l">
+              <a:spcBef>
+                <a:spcPts val="0"/>
+              </a:spcBef>
+              <a:spcAft>
+                <a:spcPts val="0"/>
+              </a:spcAft>
+              <a:buNone/>
+            </a:pPr>
+            <a:r>
+              <a:t/>
             </a:r>
             <a:endParaRPr/>
           </a:p>
         </p:txBody>
       </p:sp>
-      <p:sp>
-        <p:nvSpPr>
+      <p:pic>
+        <p:nvPicPr>
           <p:cNvPr id="165" name="Google Shape;165;p27"/>
-          <p:cNvSpPr txBox="1"/>
-          <p:nvPr>
-            <p:ph idx="1" type="body"/>
-          </p:nvPr>
-        </p:nvSpPr>
-        <p:spPr>
-          <a:xfrm>
-            <a:off x="311700" y="1171600"/>
-            <a:ext cx="8520600" cy="3397200"/>
+          <p:cNvPicPr preferRelativeResize="0"/>
+          <p:nvPr/>
+        </p:nvPicPr>
+        <p:blipFill>
+          <a:blip r:embed="rId3">
+            <a:alphaModFix/>
+          </a:blip>
+          <a:stretch>
+            <a:fillRect/>
+          </a:stretch>
+        </p:blipFill>
+        <p:spPr>
+          <a:xfrm>
+            <a:off x="734138" y="2161200"/>
+            <a:ext cx="7675724" cy="771300"/>
           </a:xfrm>
           <a:prstGeom prst="rect">
             <a:avLst/>
           </a:prstGeom>
-        </p:spPr>
-        <p:txBody>
-          <a:bodyPr anchorCtr="0" anchor="t" bIns="91425" lIns="91425" spcFirstLastPara="1" rIns="91425" wrap="square" tIns="91425">
-            <a:noAutofit/>
-          </a:bodyPr>
-          <a:lstStyle/>
-          <a:p>
-            <a:pPr indent="-336550" lvl="0" marL="457200" rtl="0" algn="l">
-              <a:spcBef>
-                <a:spcPts val="0"/>
-              </a:spcBef>
-              <a:spcAft>
-                <a:spcPts val="0"/>
-              </a:spcAft>
-              <a:buSzPts val="1700"/>
-              <a:buChar char="-"/>
-            </a:pPr>
-            <a:r>
-              <a:rPr lang="en" sz="1700"/>
-              <a:t>Deeper understanding of how to use Spark/Scala for more </a:t>
-            </a:r>
-            <a:r>
-              <a:rPr lang="en" sz="1700"/>
-              <a:t>complex</a:t>
-            </a:r>
-            <a:r>
-              <a:rPr lang="en" sz="1700"/>
-              <a:t> ML and Data Science tasks. </a:t>
-            </a:r>
-            <a:endParaRPr sz="1700"/>
-          </a:p>
-          <a:p>
-            <a:pPr indent="-336550" lvl="1" marL="914400" rtl="0" algn="l">
-              <a:spcBef>
-                <a:spcPts val="0"/>
-              </a:spcBef>
-              <a:spcAft>
-                <a:spcPts val="0"/>
-              </a:spcAft>
-              <a:buSzPts val="1700"/>
-              <a:buChar char="-"/>
-            </a:pPr>
-            <a:r>
-              <a:rPr lang="en" sz="1700"/>
-              <a:t>Extremely useful for processing large datasets by abstracting away process of splitting task into multiple nodes</a:t>
-            </a:r>
-            <a:endParaRPr sz="1700"/>
-          </a:p>
-          <a:p>
-            <a:pPr indent="-336550" lvl="0" marL="457200" rtl="0" algn="l">
-              <a:spcBef>
-                <a:spcPts val="0"/>
-              </a:spcBef>
-              <a:spcAft>
-                <a:spcPts val="0"/>
-              </a:spcAft>
-              <a:buSzPts val="1700"/>
-              <a:buChar char="-"/>
-            </a:pPr>
-            <a:r>
-              <a:rPr lang="en" sz="1700"/>
-              <a:t>Learned how to create a custom implementation of KNN algorithm without any external libraries</a:t>
-            </a:r>
-            <a:endParaRPr sz="1700"/>
-          </a:p>
-          <a:p>
-            <a:pPr indent="-336550" lvl="0" marL="457200" rtl="0" algn="l">
-              <a:spcBef>
-                <a:spcPts val="0"/>
-              </a:spcBef>
-              <a:spcAft>
-                <a:spcPts val="0"/>
-              </a:spcAft>
-              <a:buSzPts val="1700"/>
-              <a:buChar char="-"/>
-            </a:pPr>
-            <a:r>
-              <a:rPr lang="en" sz="1700"/>
-              <a:t>Gained an understanding of using Spark ML libraries to create a basic version of Logistic Regression</a:t>
-            </a:r>
-            <a:endParaRPr sz="1700"/>
-          </a:p>
-          <a:p>
-            <a:pPr indent="-336550" lvl="0" marL="457200" rtl="0" algn="l">
-              <a:spcBef>
-                <a:spcPts val="0"/>
-              </a:spcBef>
-              <a:spcAft>
-                <a:spcPts val="0"/>
-              </a:spcAft>
-              <a:buSzPts val="1700"/>
-              <a:buChar char="-"/>
-            </a:pPr>
-            <a:r>
-              <a:rPr lang="en" sz="1700"/>
-              <a:t>Figured out how to create visualizations and plots in Spark/Scala using libraries like Plotly and Breeze Plot.</a:t>
-            </a:r>
-            <a:endParaRPr sz="1700"/>
-          </a:p>
-          <a:p>
-            <a:pPr indent="0" lvl="0" marL="0" rtl="0" algn="l">
-              <a:spcBef>
-                <a:spcPts val="1200"/>
-              </a:spcBef>
-              <a:spcAft>
-                <a:spcPts val="0"/>
-              </a:spcAft>
-              <a:buNone/>
-            </a:pPr>
-            <a:r>
-              <a:t/>
-            </a:r>
-            <a:endParaRPr sz="1700"/>
-          </a:p>
-          <a:p>
-            <a:pPr indent="0" lvl="0" marL="0" rtl="0" algn="l">
-              <a:spcBef>
-                <a:spcPts val="1200"/>
-              </a:spcBef>
-              <a:spcAft>
-                <a:spcPts val="1200"/>
-              </a:spcAft>
-              <a:buNone/>
-            </a:pPr>
-            <a:r>
-              <a:t/>
-            </a:r>
-            <a:endParaRPr sz="1700"/>
-          </a:p>
-        </p:txBody>
-      </p:sp>
+          <a:noFill/>
+          <a:ln>
+            <a:noFill/>
+          </a:ln>
+        </p:spPr>
+      </p:pic>
     </p:spTree>
   </p:cSld>
   <p:clrMapOvr>
@@ -9122,6 +9104,218 @@
             </a:pPr>
             <a:r>
               <a:rPr lang="en"/>
+              <a:t>What We Learned?</a:t>
+            </a:r>
+            <a:endParaRPr/>
+          </a:p>
+        </p:txBody>
+      </p:sp>
+      <p:sp>
+        <p:nvSpPr>
+          <p:cNvPr id="171" name="Google Shape;171;p28"/>
+          <p:cNvSpPr txBox="1"/>
+          <p:nvPr>
+            <p:ph idx="1" type="body"/>
+          </p:nvPr>
+        </p:nvSpPr>
+        <p:spPr>
+          <a:xfrm>
+            <a:off x="311700" y="1171600"/>
+            <a:ext cx="8520600" cy="3397200"/>
+          </a:xfrm>
+          <a:prstGeom prst="rect">
+            <a:avLst/>
+          </a:prstGeom>
+        </p:spPr>
+        <p:txBody>
+          <a:bodyPr anchorCtr="0" anchor="t" bIns="91425" lIns="91425" spcFirstLastPara="1" rIns="91425" wrap="square" tIns="91425">
+            <a:noAutofit/>
+          </a:bodyPr>
+          <a:lstStyle/>
+          <a:p>
+            <a:pPr indent="-336550" lvl="0" marL="457200" rtl="0" algn="l">
+              <a:spcBef>
+                <a:spcPts val="0"/>
+              </a:spcBef>
+              <a:spcAft>
+                <a:spcPts val="0"/>
+              </a:spcAft>
+              <a:buSzPts val="1700"/>
+              <a:buChar char="-"/>
+            </a:pPr>
+            <a:r>
+              <a:rPr lang="en" sz="1700"/>
+              <a:t>Deeper understanding of how to use Spark/Scala for more </a:t>
+            </a:r>
+            <a:r>
+              <a:rPr lang="en" sz="1700"/>
+              <a:t>complex</a:t>
+            </a:r>
+            <a:r>
+              <a:rPr lang="en" sz="1700"/>
+              <a:t> ML and Data Science tasks. </a:t>
+            </a:r>
+            <a:endParaRPr sz="1700"/>
+          </a:p>
+          <a:p>
+            <a:pPr indent="-336550" lvl="1" marL="914400" rtl="0" algn="l">
+              <a:spcBef>
+                <a:spcPts val="0"/>
+              </a:spcBef>
+              <a:spcAft>
+                <a:spcPts val="0"/>
+              </a:spcAft>
+              <a:buSzPts val="1700"/>
+              <a:buChar char="-"/>
+            </a:pPr>
+            <a:r>
+              <a:rPr lang="en" sz="1700"/>
+              <a:t>Extremely useful for processing large datasets by abstracting away process of splitting task into multiple nodes</a:t>
+            </a:r>
+            <a:endParaRPr sz="1700"/>
+          </a:p>
+          <a:p>
+            <a:pPr indent="-336550" lvl="0" marL="457200" rtl="0" algn="l">
+              <a:spcBef>
+                <a:spcPts val="0"/>
+              </a:spcBef>
+              <a:spcAft>
+                <a:spcPts val="0"/>
+              </a:spcAft>
+              <a:buSzPts val="1700"/>
+              <a:buChar char="-"/>
+            </a:pPr>
+            <a:r>
+              <a:rPr lang="en" sz="1700"/>
+              <a:t>Learned how to create a custom implementation of KNN algorithm without any external libraries</a:t>
+            </a:r>
+            <a:endParaRPr sz="1700"/>
+          </a:p>
+          <a:p>
+            <a:pPr indent="-336550" lvl="0" marL="457200" rtl="0" algn="l">
+              <a:spcBef>
+                <a:spcPts val="0"/>
+              </a:spcBef>
+              <a:spcAft>
+                <a:spcPts val="0"/>
+              </a:spcAft>
+              <a:buSzPts val="1700"/>
+              <a:buChar char="-"/>
+            </a:pPr>
+            <a:r>
+              <a:rPr lang="en" sz="1700"/>
+              <a:t>Gained an understanding of using Spark ML libraries to create a basic version of Logistic Regression</a:t>
+            </a:r>
+            <a:endParaRPr sz="1700"/>
+          </a:p>
+          <a:p>
+            <a:pPr indent="-336550" lvl="0" marL="457200" rtl="0" algn="l">
+              <a:spcBef>
+                <a:spcPts val="0"/>
+              </a:spcBef>
+              <a:spcAft>
+                <a:spcPts val="0"/>
+              </a:spcAft>
+              <a:buSzPts val="1700"/>
+              <a:buChar char="-"/>
+            </a:pPr>
+            <a:r>
+              <a:rPr lang="en" sz="1700"/>
+              <a:t>Figured out how to create visualizations and plots in Spark/Scala using libraries like Plotly and Breeze Plot.</a:t>
+            </a:r>
+            <a:endParaRPr sz="1700"/>
+          </a:p>
+          <a:p>
+            <a:pPr indent="0" lvl="0" marL="0" rtl="0" algn="l">
+              <a:spcBef>
+                <a:spcPts val="1200"/>
+              </a:spcBef>
+              <a:spcAft>
+                <a:spcPts val="0"/>
+              </a:spcAft>
+              <a:buNone/>
+            </a:pPr>
+            <a:r>
+              <a:t/>
+            </a:r>
+            <a:endParaRPr sz="1700"/>
+          </a:p>
+          <a:p>
+            <a:pPr indent="0" lvl="0" marL="0" rtl="0" algn="l">
+              <a:spcBef>
+                <a:spcPts val="1200"/>
+              </a:spcBef>
+              <a:spcAft>
+                <a:spcPts val="1200"/>
+              </a:spcAft>
+              <a:buNone/>
+            </a:pPr>
+            <a:r>
+              <a:t/>
+            </a:r>
+            <a:endParaRPr sz="1700"/>
+          </a:p>
+        </p:txBody>
+      </p:sp>
+    </p:spTree>
+  </p:cSld>
+  <p:clrMapOvr>
+    <a:masterClrMapping/>
+  </p:clrMapOvr>
+</p:sld>
+</file>
+
+<file path=ppt/slides/slide17.xml><?xml version="1.0" encoding="utf-8"?>
+<p:sld xmlns:a="http://schemas.openxmlformats.org/drawingml/2006/main" xmlns:r="http://schemas.openxmlformats.org/officeDocument/2006/relationships" xmlns:mc="http://schemas.openxmlformats.org/markup-compatibility/2006" xmlns:mv="urn:schemas-microsoft-com:mac:vml" xmlns:p="http://schemas.openxmlformats.org/presentationml/2006/main" xmlns:c="http://schemas.openxmlformats.org/drawingml/2006/chart" xmlns:dgm="http://schemas.openxmlformats.org/drawingml/2006/diagram" xmlns:o="urn:schemas-microsoft-com:office:office" xmlns:v="urn:schemas-microsoft-com:vml" xmlns:pvml="urn:schemas-microsoft-com:office:powerpoint" xmlns:com="http://schemas.openxmlformats.org/drawingml/2006/compatibility" xmlns:p14="http://schemas.microsoft.com/office/powerpoint/2010/main" xmlns:p15="http://schemas.microsoft.com/office/powerpoint/2012/main" xmlns:ahyp="http://schemas.microsoft.com/office/drawing/2018/hyperlinkcolor">
+  <p:cSld>
+    <p:spTree>
+      <p:nvGrpSpPr>
+        <p:cNvPr id="175" name="Shape 175"/>
+        <p:cNvGrpSpPr/>
+        <p:nvPr/>
+      </p:nvGrpSpPr>
+      <p:grpSpPr>
+        <a:xfrm>
+          <a:off x="0" y="0"/>
+          <a:ext cx="0" cy="0"/>
+          <a:chOff x="0" y="0"/>
+          <a:chExt cx="0" cy="0"/>
+        </a:xfrm>
+      </p:grpSpPr>
+      <p:sp>
+        <p:nvSpPr>
+          <p:cNvPr id="176" name="Google Shape;176;p29"/>
+          <p:cNvSpPr txBox="1"/>
+          <p:nvPr>
+            <p:ph type="title"/>
+          </p:nvPr>
+        </p:nvSpPr>
+        <p:spPr>
+          <a:xfrm>
+            <a:off x="311700" y="445025"/>
+            <a:ext cx="8520600" cy="613200"/>
+          </a:xfrm>
+          <a:prstGeom prst="rect">
+            <a:avLst/>
+          </a:prstGeom>
+        </p:spPr>
+        <p:txBody>
+          <a:bodyPr anchorCtr="0" anchor="t" bIns="91425" lIns="91425" spcFirstLastPara="1" rIns="91425" wrap="square" tIns="91425">
+            <a:normAutofit fontScale="90000"/>
+          </a:bodyPr>
+          <a:lstStyle/>
+          <a:p>
+            <a:pPr indent="0" lvl="0" marL="0" rtl="0" algn="l">
+              <a:spcBef>
+                <a:spcPts val="0"/>
+              </a:spcBef>
+              <a:spcAft>
+                <a:spcPts val="0"/>
+              </a:spcAft>
+              <a:buNone/>
+            </a:pPr>
+            <a:r>
+              <a:rPr lang="en"/>
               <a:t>Major Obstacles</a:t>
             </a:r>
             <a:endParaRPr/>
@@ -9145,7 +9339,7 @@
       </p:sp>
       <p:sp>
         <p:nvSpPr>
-          <p:cNvPr id="171" name="Google Shape;171;p28"/>
+          <p:cNvPr id="177" name="Google Shape;177;p29"/>
           <p:cNvSpPr txBox="1"/>
           <p:nvPr>
             <p:ph idx="1" type="body"/>
@@ -11115,6 +11309,285 @@
 </file>
 
 <file path=ppt/theme/theme1.xml><?xml version="1.0" encoding="utf-8"?>
+<a:theme xmlns:a="http://schemas.openxmlformats.org/drawingml/2006/main" xmlns:r="http://schemas.openxmlformats.org/officeDocument/2006/relationships">
+  <a:themeElements>
+    <a:clrScheme name="Default">
+      <a:dk1>
+        <a:srgbClr val="000000"/>
+      </a:dk1>
+      <a:lt1>
+        <a:srgbClr val="FFFFFF"/>
+      </a:lt1>
+      <a:dk2>
+        <a:srgbClr val="158158"/>
+      </a:dk2>
+      <a:lt2>
+        <a:srgbClr val="F3F3F3"/>
+      </a:lt2>
+      <a:accent1>
+        <a:srgbClr val="058DC7"/>
+      </a:accent1>
+      <a:accent2>
+        <a:srgbClr val="50B432"/>
+      </a:accent2>
+      <a:accent3>
+        <a:srgbClr val="ED561B"/>
+      </a:accent3>
+      <a:accent4>
+        <a:srgbClr val="EDEF00"/>
+      </a:accent4>
+      <a:accent5>
+        <a:srgbClr val="24CBE5"/>
+      </a:accent5>
+      <a:accent6>
+        <a:srgbClr val="64E572"/>
+      </a:accent6>
+      <a:hlink>
+        <a:srgbClr val="2200CC"/>
+      </a:hlink>
+      <a:folHlink>
+        <a:srgbClr val="551A8B"/>
+      </a:folHlink>
+    </a:clrScheme>
+    <a:fontScheme name="Office">
+      <a:majorFont>
+        <a:latin typeface="Arial"/>
+        <a:ea typeface=""/>
+        <a:cs typeface=""/>
+        <a:font script="Jpan" typeface="ＭＳ Ｐゴシック"/>
+        <a:font script="Hang" typeface="맑은 고딕"/>
+        <a:font script="Hans" typeface="宋体"/>
+        <a:font script="Hant" typeface="新細明體"/>
+        <a:font script="Arab" typeface="Times New Roman"/>
+        <a:font script="Hebr" typeface="Times New Roman"/>
+        <a:font script="Thai" typeface="Angsana New"/>
+        <a:font script="Ethi" typeface="Nyala"/>
+        <a:font script="Beng" typeface="Vrinda"/>
+        <a:font script="Gujr" typeface="Shruti"/>
+        <a:font script="Khmr" typeface="MoolBoran"/>
+        <a:font script="Knda" typeface="Tunga"/>
+        <a:font script="Guru" typeface="Raavi"/>
+        <a:font script="Cans" typeface="Euphemia"/>
+        <a:font script="Cher" typeface="Plantagenet Cherokee"/>
+        <a:font script="Yiii" typeface="Microsoft Yi Baiti"/>
+        <a:font script="Tibt" typeface="Microsoft Himalaya"/>
+        <a:font script="Thaa" typeface="MV Boli"/>
+        <a:font script="Deva" typeface="Mangal"/>
+        <a:font script="Telu" typeface="Gautami"/>
+        <a:font script="Taml" typeface="Latha"/>
+        <a:font script="Syrc" typeface="Estrangelo Edessa"/>
+        <a:font script="Orya" typeface="Kalinga"/>
+        <a:font script="Mlym" typeface="Kartika"/>
+        <a:font script="Laoo" typeface="DokChampa"/>
+        <a:font script="Sinh" typeface="Iskoola Pota"/>
+        <a:font script="Mong" typeface="Mongolian Baiti"/>
+        <a:font script="Viet" typeface="Times New Roman"/>
+        <a:font script="Uigh" typeface="Microsoft Uighur"/>
+        <a:font script="Geor" typeface="Sylfaen"/>
+      </a:majorFont>
+      <a:minorFont>
+        <a:latin typeface="Arial"/>
+        <a:ea typeface=""/>
+        <a:cs typeface=""/>
+        <a:font script="Jpan" typeface="ＭＳ Ｐゴシック"/>
+        <a:font script="Hang" typeface="맑은 고딕"/>
+        <a:font script="Hans" typeface="宋体"/>
+        <a:font script="Hant" typeface="新細明體"/>
+        <a:font script="Arab" typeface="Arial"/>
+        <a:font script="Hebr" typeface="Arial"/>
+        <a:font script="Thai" typeface="Cordia New"/>
+        <a:font script="Ethi" typeface="Nyala"/>
+        <a:font script="Beng" typeface="Vrinda"/>
+        <a:font script="Gujr" typeface="Shruti"/>
+        <a:font script="Khmr" typeface="DaunPenh"/>
+        <a:font script="Knda" typeface="Tunga"/>
+        <a:font script="Guru" typeface="Raavi"/>
+        <a:font script="Cans" typeface="Euphemia"/>
+        <a:font script="Cher" typeface="Plantagenet Cherokee"/>
+        <a:font script="Yiii" typeface="Microsoft Yi Baiti"/>
+        <a:font script="Tibt" typeface="Microsoft Himalaya"/>
+        <a:font script="Thaa" typeface="MV Boli"/>
+        <a:font script="Deva" typeface="Mangal"/>
+        <a:font script="Telu" typeface="Gautami"/>
+        <a:font script="Taml" typeface="Latha"/>
+        <a:font script="Syrc" typeface="Estrangelo Edessa"/>
+        <a:font script="Orya" typeface="Kalinga"/>
+        <a:font script="Mlym" typeface="Kartika"/>
+        <a:font script="Laoo" typeface="DokChampa"/>
+        <a:font script="Sinh" typeface="Iskoola Pota"/>
+        <a:font script="Mong" typeface="Mongolian Baiti"/>
+        <a:font script="Viet" typeface="Arial"/>
+        <a:font script="Uigh" typeface="Microsoft Uighur"/>
+        <a:font script="Geor" typeface="Sylfaen"/>
+      </a:minorFont>
+    </a:fontScheme>
+    <a:fmtScheme name="Office">
+      <a:fillStyleLst>
+        <a:solidFill>
+          <a:schemeClr val="phClr"/>
+        </a:solidFill>
+        <a:gradFill rotWithShape="1">
+          <a:gsLst>
+            <a:gs pos="0">
+              <a:schemeClr val="phClr">
+                <a:tint val="50000"/>
+                <a:satMod val="300000"/>
+              </a:schemeClr>
+            </a:gs>
+            <a:gs pos="35000">
+              <a:schemeClr val="phClr">
+                <a:tint val="37000"/>
+                <a:satMod val="300000"/>
+              </a:schemeClr>
+            </a:gs>
+            <a:gs pos="100000">
+              <a:schemeClr val="phClr">
+                <a:tint val="15000"/>
+                <a:satMod val="350000"/>
+              </a:schemeClr>
+            </a:gs>
+          </a:gsLst>
+          <a:lin ang="16200000" scaled="1"/>
+        </a:gradFill>
+        <a:gradFill rotWithShape="1">
+          <a:gsLst>
+            <a:gs pos="0">
+              <a:schemeClr val="phClr">
+                <a:tint val="100000"/>
+                <a:shade val="100000"/>
+                <a:satMod val="130000"/>
+              </a:schemeClr>
+            </a:gs>
+            <a:gs pos="100000">
+              <a:schemeClr val="phClr">
+                <a:tint val="50000"/>
+                <a:shade val="100000"/>
+                <a:satMod val="350000"/>
+              </a:schemeClr>
+            </a:gs>
+          </a:gsLst>
+          <a:lin ang="16200000" scaled="0"/>
+        </a:gradFill>
+      </a:fillStyleLst>
+      <a:lnStyleLst>
+        <a:ln w="9525" cap="flat" cmpd="sng" algn="ctr">
+          <a:solidFill>
+            <a:schemeClr val="phClr">
+              <a:shade val="95000"/>
+              <a:satMod val="105000"/>
+            </a:schemeClr>
+          </a:solidFill>
+          <a:prstDash val="solid"/>
+        </a:ln>
+        <a:ln w="25400" cap="flat" cmpd="sng" algn="ctr">
+          <a:solidFill>
+            <a:schemeClr val="phClr"/>
+          </a:solidFill>
+          <a:prstDash val="solid"/>
+        </a:ln>
+        <a:ln w="38100" cap="flat" cmpd="sng" algn="ctr">
+          <a:solidFill>
+            <a:schemeClr val="phClr"/>
+          </a:solidFill>
+          <a:prstDash val="solid"/>
+        </a:ln>
+      </a:lnStyleLst>
+      <a:effectStyleLst>
+        <a:effectStyle>
+          <a:effectLst>
+            <a:outerShdw blurRad="40000" dist="20000" dir="5400000" rotWithShape="0">
+              <a:srgbClr val="000000">
+                <a:alpha val="38000"/>
+              </a:srgbClr>
+            </a:outerShdw>
+          </a:effectLst>
+        </a:effectStyle>
+        <a:effectStyle>
+          <a:effectLst>
+            <a:outerShdw blurRad="40000" dist="23000" dir="5400000" rotWithShape="0">
+              <a:srgbClr val="000000">
+                <a:alpha val="35000"/>
+              </a:srgbClr>
+            </a:outerShdw>
+          </a:effectLst>
+        </a:effectStyle>
+        <a:effectStyle>
+          <a:effectLst>
+            <a:outerShdw blurRad="40000" dist="23000" dir="5400000" rotWithShape="0">
+              <a:srgbClr val="000000">
+                <a:alpha val="35000"/>
+              </a:srgbClr>
+            </a:outerShdw>
+          </a:effectLst>
+          <a:scene3d>
+            <a:camera prst="orthographicFront">
+              <a:rot lat="0" lon="0" rev="0"/>
+            </a:camera>
+            <a:lightRig rig="threePt" dir="t">
+              <a:rot lat="0" lon="0" rev="1200000"/>
+            </a:lightRig>
+          </a:scene3d>
+          <a:sp3d>
+            <a:bevelT w="63500" h="25400"/>
+          </a:sp3d>
+        </a:effectStyle>
+      </a:effectStyleLst>
+      <a:bgFillStyleLst>
+        <a:solidFill>
+          <a:schemeClr val="phClr"/>
+        </a:solidFill>
+        <a:gradFill rotWithShape="1">
+          <a:gsLst>
+            <a:gs pos="0">
+              <a:schemeClr val="phClr">
+                <a:tint val="40000"/>
+                <a:satMod val="350000"/>
+              </a:schemeClr>
+            </a:gs>
+            <a:gs pos="40000">
+              <a:schemeClr val="phClr">
+                <a:tint val="45000"/>
+                <a:shade val="99000"/>
+                <a:satMod val="350000"/>
+              </a:schemeClr>
+            </a:gs>
+            <a:gs pos="100000">
+              <a:schemeClr val="phClr">
+                <a:shade val="20000"/>
+                <a:satMod val="255000"/>
+              </a:schemeClr>
+            </a:gs>
+          </a:gsLst>
+          <a:path path="circle">
+            <a:fillToRect l="50000" t="-80000" r="50000" b="180000"/>
+          </a:path>
+        </a:gradFill>
+        <a:gradFill rotWithShape="1">
+          <a:gsLst>
+            <a:gs pos="0">
+              <a:schemeClr val="phClr">
+                <a:tint val="80000"/>
+                <a:satMod val="300000"/>
+              </a:schemeClr>
+            </a:gs>
+            <a:gs pos="100000">
+              <a:schemeClr val="phClr">
+                <a:shade val="30000"/>
+                <a:satMod val="200000"/>
+              </a:schemeClr>
+            </a:gs>
+          </a:gsLst>
+          <a:path path="circle">
+            <a:fillToRect l="50000" t="50000" r="50000" b="50000"/>
+          </a:path>
+        </a:gradFill>
+      </a:bgFillStyleLst>
+    </a:fmtScheme>
+  </a:themeElements>
+</a:theme>
+</file>
+
+<file path=ppt/theme/theme2.xml><?xml version="1.0" encoding="utf-8"?>
 <a:theme xmlns:a="http://schemas.openxmlformats.org/drawingml/2006/main" xmlns:r="http://schemas.openxmlformats.org/officeDocument/2006/relationships" name="Paperback">
   <a:themeElements>
     <a:clrScheme name="Paperback">
@@ -11391,283 +11864,4 @@
     </a:fmtScheme>
   </a:themeElements>
 </a:theme>
-</file>
-
-<file path=ppt/theme/theme2.xml><?xml version="1.0" encoding="utf-8"?>
-<a:theme xmlns:a="http://schemas.openxmlformats.org/drawingml/2006/main" xmlns:r="http://schemas.openxmlformats.org/officeDocument/2006/relationships">
-  <a:themeElements>
-    <a:clrScheme name="Default">
-      <a:dk1>
-        <a:srgbClr val="000000"/>
-      </a:dk1>
-      <a:lt1>
-        <a:srgbClr val="FFFFFF"/>
-      </a:lt1>
-      <a:dk2>
-        <a:srgbClr val="158158"/>
-      </a:dk2>
-      <a:lt2>
-        <a:srgbClr val="F3F3F3"/>
-      </a:lt2>
-      <a:accent1>
-        <a:srgbClr val="058DC7"/>
-      </a:accent1>
-      <a:accent2>
-        <a:srgbClr val="50B432"/>
-      </a:accent2>
-      <a:accent3>
-        <a:srgbClr val="ED561B"/>
-      </a:accent3>
-      <a:accent4>
-        <a:srgbClr val="EDEF00"/>
-      </a:accent4>
-      <a:accent5>
-        <a:srgbClr val="24CBE5"/>
-      </a:accent5>
-      <a:accent6>
-        <a:srgbClr val="64E572"/>
-      </a:accent6>
-      <a:hlink>
-        <a:srgbClr val="2200CC"/>
-      </a:hlink>
-      <a:folHlink>
-        <a:srgbClr val="551A8B"/>
-      </a:folHlink>
-    </a:clrScheme>
-    <a:fontScheme name="Office">
-      <a:majorFont>
-        <a:latin typeface="Arial"/>
-        <a:ea typeface=""/>
-        <a:cs typeface=""/>
-        <a:font script="Jpan" typeface="ＭＳ Ｐゴシック"/>
-        <a:font script="Hang" typeface="맑은 고딕"/>
-        <a:font script="Hans" typeface="宋体"/>
-        <a:font script="Hant" typeface="新細明體"/>
-        <a:font script="Arab" typeface="Times New Roman"/>
-        <a:font script="Hebr" typeface="Times New Roman"/>
-        <a:font script="Thai" typeface="Angsana New"/>
-        <a:font script="Ethi" typeface="Nyala"/>
-        <a:font script="Beng" typeface="Vrinda"/>
-        <a:font script="Gujr" typeface="Shruti"/>
-        <a:font script="Khmr" typeface="MoolBoran"/>
-        <a:font script="Knda" typeface="Tunga"/>
-        <a:font script="Guru" typeface="Raavi"/>
-        <a:font script="Cans" typeface="Euphemia"/>
-        <a:font script="Cher" typeface="Plantagenet Cherokee"/>
-        <a:font script="Yiii" typeface="Microsoft Yi Baiti"/>
-        <a:font script="Tibt" typeface="Microsoft Himalaya"/>
-        <a:font script="Thaa" typeface="MV Boli"/>
-        <a:font script="Deva" typeface="Mangal"/>
-        <a:font script="Telu" typeface="Gautami"/>
-        <a:font script="Taml" typeface="Latha"/>
-        <a:font script="Syrc" typeface="Estrangelo Edessa"/>
-        <a:font script="Orya" typeface="Kalinga"/>
-        <a:font script="Mlym" typeface="Kartika"/>
-        <a:font script="Laoo" typeface="DokChampa"/>
-        <a:font script="Sinh" typeface="Iskoola Pota"/>
-        <a:font script="Mong" typeface="Mongolian Baiti"/>
-        <a:font script="Viet" typeface="Times New Roman"/>
-        <a:font script="Uigh" typeface="Microsoft Uighur"/>
-        <a:font script="Geor" typeface="Sylfaen"/>
-      </a:majorFont>
-      <a:minorFont>
-        <a:latin typeface="Arial"/>
-        <a:ea typeface=""/>
-        <a:cs typeface=""/>
-        <a:font script="Jpan" typeface="ＭＳ Ｐゴシック"/>
-        <a:font script="Hang" typeface="맑은 고딕"/>
-        <a:font script="Hans" typeface="宋体"/>
-        <a:font script="Hant" typeface="新細明體"/>
-        <a:font script="Arab" typeface="Arial"/>
-        <a:font script="Hebr" typeface="Arial"/>
-        <a:font script="Thai" typeface="Cordia New"/>
-        <a:font script="Ethi" typeface="Nyala"/>
-        <a:font script="Beng" typeface="Vrinda"/>
-        <a:font script="Gujr" typeface="Shruti"/>
-        <a:font script="Khmr" typeface="DaunPenh"/>
-        <a:font script="Knda" typeface="Tunga"/>
-        <a:font script="Guru" typeface="Raavi"/>
-        <a:font script="Cans" typeface="Euphemia"/>
-        <a:font script="Cher" typeface="Plantagenet Cherokee"/>
-        <a:font script="Yiii" typeface="Microsoft Yi Baiti"/>
-        <a:font script="Tibt" typeface="Microsoft Himalaya"/>
-        <a:font script="Thaa" typeface="MV Boli"/>
-        <a:font script="Deva" typeface="Mangal"/>
-        <a:font script="Telu" typeface="Gautami"/>
-        <a:font script="Taml" typeface="Latha"/>
-        <a:font script="Syrc" typeface="Estrangelo Edessa"/>
-        <a:font script="Orya" typeface="Kalinga"/>
-        <a:font script="Mlym" typeface="Kartika"/>
-        <a:font script="Laoo" typeface="DokChampa"/>
-        <a:font script="Sinh" typeface="Iskoola Pota"/>
-        <a:font script="Mong" typeface="Mongolian Baiti"/>
-        <a:font script="Viet" typeface="Arial"/>
-        <a:font script="Uigh" typeface="Microsoft Uighur"/>
-        <a:font script="Geor" typeface="Sylfaen"/>
-      </a:minorFont>
-    </a:fontScheme>
-    <a:fmtScheme name="Office">
-      <a:fillStyleLst>
-        <a:solidFill>
-          <a:schemeClr val="phClr"/>
-        </a:solidFill>
-        <a:gradFill rotWithShape="1">
-          <a:gsLst>
-            <a:gs pos="0">
-              <a:schemeClr val="phClr">
-                <a:tint val="50000"/>
-                <a:satMod val="300000"/>
-              </a:schemeClr>
-            </a:gs>
-            <a:gs pos="35000">
-              <a:schemeClr val="phClr">
-                <a:tint val="37000"/>
-                <a:satMod val="300000"/>
-              </a:schemeClr>
-            </a:gs>
-            <a:gs pos="100000">
-              <a:schemeClr val="phClr">
-                <a:tint val="15000"/>
-                <a:satMod val="350000"/>
-              </a:schemeClr>
-            </a:gs>
-          </a:gsLst>
-          <a:lin ang="16200000" scaled="1"/>
-        </a:gradFill>
-        <a:gradFill rotWithShape="1">
-          <a:gsLst>
-            <a:gs pos="0">
-              <a:schemeClr val="phClr">
-                <a:tint val="100000"/>
-                <a:shade val="100000"/>
-                <a:satMod val="130000"/>
-              </a:schemeClr>
-            </a:gs>
-            <a:gs pos="100000">
-              <a:schemeClr val="phClr">
-                <a:tint val="50000"/>
-                <a:shade val="100000"/>
-                <a:satMod val="350000"/>
-              </a:schemeClr>
-            </a:gs>
-          </a:gsLst>
-          <a:lin ang="16200000" scaled="0"/>
-        </a:gradFill>
-      </a:fillStyleLst>
-      <a:lnStyleLst>
-        <a:ln w="9525" cap="flat" cmpd="sng" algn="ctr">
-          <a:solidFill>
-            <a:schemeClr val="phClr">
-              <a:shade val="95000"/>
-              <a:satMod val="105000"/>
-            </a:schemeClr>
-          </a:solidFill>
-          <a:prstDash val="solid"/>
-        </a:ln>
-        <a:ln w="25400" cap="flat" cmpd="sng" algn="ctr">
-          <a:solidFill>
-            <a:schemeClr val="phClr"/>
-          </a:solidFill>
-          <a:prstDash val="solid"/>
-        </a:ln>
-        <a:ln w="38100" cap="flat" cmpd="sng" algn="ctr">
-          <a:solidFill>
-            <a:schemeClr val="phClr"/>
-          </a:solidFill>
-          <a:prstDash val="solid"/>
-        </a:ln>
-      </a:lnStyleLst>
-      <a:effectStyleLst>
-        <a:effectStyle>
-          <a:effectLst>
-            <a:outerShdw blurRad="40000" dist="20000" dir="5400000" rotWithShape="0">
-              <a:srgbClr val="000000">
-                <a:alpha val="38000"/>
-              </a:srgbClr>
-            </a:outerShdw>
-          </a:effectLst>
-        </a:effectStyle>
-        <a:effectStyle>
-          <a:effectLst>
-            <a:outerShdw blurRad="40000" dist="23000" dir="5400000" rotWithShape="0">
-              <a:srgbClr val="000000">
-                <a:alpha val="35000"/>
-              </a:srgbClr>
-            </a:outerShdw>
-          </a:effectLst>
-        </a:effectStyle>
-        <a:effectStyle>
-          <a:effectLst>
-            <a:outerShdw blurRad="40000" dist="23000" dir="5400000" rotWithShape="0">
-              <a:srgbClr val="000000">
-                <a:alpha val="35000"/>
-              </a:srgbClr>
-            </a:outerShdw>
-          </a:effectLst>
-          <a:scene3d>
-            <a:camera prst="orthographicFront">
-              <a:rot lat="0" lon="0" rev="0"/>
-            </a:camera>
-            <a:lightRig rig="threePt" dir="t">
-              <a:rot lat="0" lon="0" rev="1200000"/>
-            </a:lightRig>
-          </a:scene3d>
-          <a:sp3d>
-            <a:bevelT w="63500" h="25400"/>
-          </a:sp3d>
-        </a:effectStyle>
-      </a:effectStyleLst>
-      <a:bgFillStyleLst>
-        <a:solidFill>
-          <a:schemeClr val="phClr"/>
-        </a:solidFill>
-        <a:gradFill rotWithShape="1">
-          <a:gsLst>
-            <a:gs pos="0">
-              <a:schemeClr val="phClr">
-                <a:tint val="40000"/>
-                <a:satMod val="350000"/>
-              </a:schemeClr>
-            </a:gs>
-            <a:gs pos="40000">
-              <a:schemeClr val="phClr">
-                <a:tint val="45000"/>
-                <a:shade val="99000"/>
-                <a:satMod val="350000"/>
-              </a:schemeClr>
-            </a:gs>
-            <a:gs pos="100000">
-              <a:schemeClr val="phClr">
-                <a:shade val="20000"/>
-                <a:satMod val="255000"/>
-              </a:schemeClr>
-            </a:gs>
-          </a:gsLst>
-          <a:path path="circle">
-            <a:fillToRect l="50000" t="-80000" r="50000" b="180000"/>
-          </a:path>
-        </a:gradFill>
-        <a:gradFill rotWithShape="1">
-          <a:gsLst>
-            <a:gs pos="0">
-              <a:schemeClr val="phClr">
-                <a:tint val="80000"/>
-                <a:satMod val="300000"/>
-              </a:schemeClr>
-            </a:gs>
-            <a:gs pos="100000">
-              <a:schemeClr val="phClr">
-                <a:shade val="30000"/>
-                <a:satMod val="200000"/>
-              </a:schemeClr>
-            </a:gs>
-          </a:gsLst>
-          <a:path path="circle">
-            <a:fillToRect l="50000" t="50000" r="50000" b="50000"/>
-          </a:path>
-        </a:gradFill>
-      </a:bgFillStyleLst>
-    </a:fmtScheme>
-  </a:themeElements>
-</a:theme>
 </file>